--- a/svd_pres.pptx
+++ b/svd_pres.pptx
@@ -4,6 +4,9 @@
   <p:sldMasterIdLst>
     <p:sldMasterId id="2147483648" r:id="rId1"/>
   </p:sldMasterIdLst>
+  <p:sldIdLst>
+    <p:sldId id="256" r:id="rId2"/>
+  </p:sldIdLst>
   <p:sldSz cx="9144000" cy="6858000" type="screen4x3"/>
   <p:notesSz cx="6858000" cy="9144000"/>
   <p:defaultTextStyle>
@@ -286,7 +289,7 @@
             <a:fld id="{1D8BD707-D9CF-40AE-B4C6-C98DA3205C09}" type="datetimeFigureOut">
               <a:rPr lang="en-US" smtClean="0"/>
               <a:pPr/>
-              <a:t>9/18/2006</a:t>
+              <a:t>2/17/2012</a:t>
             </a:fld>
             <a:endParaRPr lang="en-US"/>
           </a:p>
@@ -453,7 +456,7 @@
             <a:fld id="{1D8BD707-D9CF-40AE-B4C6-C98DA3205C09}" type="datetimeFigureOut">
               <a:rPr lang="en-US" smtClean="0"/>
               <a:pPr/>
-              <a:t>9/18/2006</a:t>
+              <a:t>2/17/2012</a:t>
             </a:fld>
             <a:endParaRPr lang="en-US"/>
           </a:p>
@@ -630,7 +633,7 @@
             <a:fld id="{1D8BD707-D9CF-40AE-B4C6-C98DA3205C09}" type="datetimeFigureOut">
               <a:rPr lang="en-US" smtClean="0"/>
               <a:pPr/>
-              <a:t>9/18/2006</a:t>
+              <a:t>2/17/2012</a:t>
             </a:fld>
             <a:endParaRPr lang="en-US"/>
           </a:p>
@@ -797,7 +800,7 @@
             <a:fld id="{1D8BD707-D9CF-40AE-B4C6-C98DA3205C09}" type="datetimeFigureOut">
               <a:rPr lang="en-US" smtClean="0"/>
               <a:pPr/>
-              <a:t>9/18/2006</a:t>
+              <a:t>2/17/2012</a:t>
             </a:fld>
             <a:endParaRPr lang="en-US"/>
           </a:p>
@@ -1040,7 +1043,7 @@
             <a:fld id="{1D8BD707-D9CF-40AE-B4C6-C98DA3205C09}" type="datetimeFigureOut">
               <a:rPr lang="en-US" smtClean="0"/>
               <a:pPr/>
-              <a:t>9/18/2006</a:t>
+              <a:t>2/17/2012</a:t>
             </a:fld>
             <a:endParaRPr lang="en-US"/>
           </a:p>
@@ -1325,7 +1328,7 @@
             <a:fld id="{1D8BD707-D9CF-40AE-B4C6-C98DA3205C09}" type="datetimeFigureOut">
               <a:rPr lang="en-US" smtClean="0"/>
               <a:pPr/>
-              <a:t>9/18/2006</a:t>
+              <a:t>2/17/2012</a:t>
             </a:fld>
             <a:endParaRPr lang="en-US"/>
           </a:p>
@@ -1744,7 +1747,7 @@
             <a:fld id="{1D8BD707-D9CF-40AE-B4C6-C98DA3205C09}" type="datetimeFigureOut">
               <a:rPr lang="en-US" smtClean="0"/>
               <a:pPr/>
-              <a:t>9/18/2006</a:t>
+              <a:t>2/17/2012</a:t>
             </a:fld>
             <a:endParaRPr lang="en-US"/>
           </a:p>
@@ -1859,7 +1862,7 @@
             <a:fld id="{1D8BD707-D9CF-40AE-B4C6-C98DA3205C09}" type="datetimeFigureOut">
               <a:rPr lang="en-US" smtClean="0"/>
               <a:pPr/>
-              <a:t>9/18/2006</a:t>
+              <a:t>2/17/2012</a:t>
             </a:fld>
             <a:endParaRPr lang="en-US"/>
           </a:p>
@@ -1951,7 +1954,7 @@
             <a:fld id="{1D8BD707-D9CF-40AE-B4C6-C98DA3205C09}" type="datetimeFigureOut">
               <a:rPr lang="en-US" smtClean="0"/>
               <a:pPr/>
-              <a:t>9/18/2006</a:t>
+              <a:t>2/17/2012</a:t>
             </a:fld>
             <a:endParaRPr lang="en-US"/>
           </a:p>
@@ -2225,7 +2228,7 @@
             <a:fld id="{1D8BD707-D9CF-40AE-B4C6-C98DA3205C09}" type="datetimeFigureOut">
               <a:rPr lang="en-US" smtClean="0"/>
               <a:pPr/>
-              <a:t>9/18/2006</a:t>
+              <a:t>2/17/2012</a:t>
             </a:fld>
             <a:endParaRPr lang="en-US"/>
           </a:p>
@@ -2475,7 +2478,7 @@
             <a:fld id="{1D8BD707-D9CF-40AE-B4C6-C98DA3205C09}" type="datetimeFigureOut">
               <a:rPr lang="en-US" smtClean="0"/>
               <a:pPr/>
-              <a:t>9/18/2006</a:t>
+              <a:t>2/17/2012</a:t>
             </a:fld>
             <a:endParaRPr lang="en-US"/>
           </a:p>
@@ -2685,7 +2688,7 @@
             <a:fld id="{1D8BD707-D9CF-40AE-B4C6-C98DA3205C09}" type="datetimeFigureOut">
               <a:rPr lang="en-US" smtClean="0"/>
               <a:pPr/>
-              <a:t>9/18/2006</a:t>
+              <a:t>2/17/2012</a:t>
             </a:fld>
             <a:endParaRPr lang="en-US"/>
           </a:p>
@@ -3037,6 +3040,74 @@
     </p:otherStyle>
   </p:txStyles>
 </p:sldMaster>
+</file>
+
+<file path=ppt/slides/slide1.xml><?xml version="1.0" encoding="utf-8"?>
+<p:sld xmlns:a="http://schemas.openxmlformats.org/drawingml/2006/main" xmlns:r="http://schemas.openxmlformats.org/officeDocument/2006/relationships" xmlns:p="http://schemas.openxmlformats.org/presentationml/2006/main">
+  <p:cSld>
+    <p:spTree>
+      <p:nvGrpSpPr>
+        <p:cNvPr id="1" name=""/>
+        <p:cNvGrpSpPr/>
+        <p:nvPr/>
+      </p:nvGrpSpPr>
+      <p:grpSpPr>
+        <a:xfrm>
+          <a:off x="0" y="0"/>
+          <a:ext cx="0" cy="0"/>
+          <a:chOff x="0" y="0"/>
+          <a:chExt cx="0" cy="0"/>
+        </a:xfrm>
+      </p:grpSpPr>
+      <p:sp>
+        <p:nvSpPr>
+          <p:cNvPr id="2" name="Title 1"/>
+          <p:cNvSpPr>
+            <a:spLocks noGrp="1"/>
+          </p:cNvSpPr>
+          <p:nvPr>
+            <p:ph type="ctrTitle"/>
+          </p:nvPr>
+        </p:nvSpPr>
+        <p:spPr/>
+        <p:txBody>
+          <a:bodyPr/>
+          <a:lstStyle/>
+          <a:p>
+            <a:endParaRPr lang="en-US"/>
+          </a:p>
+        </p:txBody>
+      </p:sp>
+      <p:sp>
+        <p:nvSpPr>
+          <p:cNvPr id="3" name="Subtitle 2"/>
+          <p:cNvSpPr>
+            <a:spLocks noGrp="1"/>
+          </p:cNvSpPr>
+          <p:nvPr>
+            <p:ph type="subTitle" idx="1"/>
+          </p:nvPr>
+        </p:nvSpPr>
+        <p:spPr/>
+        <p:txBody>
+          <a:bodyPr/>
+          <a:lstStyle/>
+          <a:p>
+            <a:endParaRPr lang="en-US"/>
+          </a:p>
+        </p:txBody>
+      </p:sp>
+    </p:spTree>
+    <p:extLst>
+      <p:ext uri="{BB962C8B-B14F-4D97-AF65-F5344CB8AC3E}">
+        <p14:creationId xmlns:p14="http://schemas.microsoft.com/office/powerpoint/2010/main" val="3559276763"/>
+      </p:ext>
+    </p:extLst>
+  </p:cSld>
+  <p:clrMapOvr>
+    <a:masterClrMapping/>
+  </p:clrMapOvr>
+</p:sld>
 </file>
 
 <file path=ppt/theme/theme1.xml><?xml version="1.0" encoding="utf-8"?>

--- a/svd_pres.pptx
+++ b/svd_pres.pptx
@@ -11140,8 +11140,13 @@
             <a:pPr lvl="2"/>
             <a:r>
               <a:rPr lang="en-US" dirty="0" smtClean="0"/>
-              <a:t>PCA is easier and faster</a:t>
+              <a:t>PCA is faster and </a:t>
             </a:r>
+            <a:r>
+              <a:rPr lang="en-US" smtClean="0"/>
+              <a:t>more practical</a:t>
+            </a:r>
+            <a:endParaRPr lang="en-US" dirty="0" smtClean="0"/>
           </a:p>
           <a:p>
             <a:pPr lvl="1"/>

--- a/svd_pres.pptx
+++ b/svd_pres.pptx
@@ -11140,13 +11140,8 @@
             <a:pPr lvl="2"/>
             <a:r>
               <a:rPr lang="en-US" dirty="0" smtClean="0"/>
-              <a:t>PCA is faster and </a:t>
+              <a:t>PCA is faster and more practical</a:t>
             </a:r>
-            <a:r>
-              <a:rPr lang="en-US" smtClean="0"/>
-              <a:t>more practical</a:t>
-            </a:r>
-            <a:endParaRPr lang="en-US" dirty="0" smtClean="0"/>
           </a:p>
           <a:p>
             <a:pPr lvl="1"/>
@@ -18063,7 +18058,7 @@
             <p:ph idx="1"/>
             <p:extLst>
               <p:ext uri="{D42A27DB-BD31-4B8C-83A1-F6EECF244321}">
-                <p14:modId xmlns:p14="http://schemas.microsoft.com/office/powerpoint/2010/main" val="2982457784"/>
+                <p14:modId xmlns:p14="http://schemas.microsoft.com/office/powerpoint/2010/main" val="1346241834"/>
               </p:ext>
             </p:extLst>
           </p:nvPr>
@@ -18166,12 +18161,12 @@
                         </a:spcAft>
                       </a:pPr>
                       <a:r>
-                        <a:rPr lang="en-US" sz="1100">
+                        <a:rPr lang="en-US" sz="1100" dirty="0">
                           <a:effectLst/>
                         </a:rPr>
                         <a:t>0.1</a:t>
                       </a:r>
-                      <a:endParaRPr lang="en-US" sz="1100">
+                      <a:endParaRPr lang="en-US" sz="1100" dirty="0">
                         <a:effectLst/>
                         <a:latin typeface="Calibri"/>
                         <a:ea typeface="ＭＳ 明朝"/>
@@ -18283,12 +18278,12 @@
                         </a:spcAft>
                       </a:pPr>
                       <a:r>
-                        <a:rPr lang="en-US" sz="1100" b="0">
+                        <a:rPr lang="en-US" sz="1100" b="0" dirty="0">
                           <a:effectLst/>
                         </a:rPr>
                         <a:t>C1-T1</a:t>
                       </a:r>
-                      <a:endParaRPr lang="en-US" sz="1100" b="0">
+                      <a:endParaRPr lang="en-US" sz="1100" b="0" dirty="0">
                         <a:effectLst/>
                         <a:latin typeface="Calibri"/>
                         <a:ea typeface="ＭＳ 明朝"/>
@@ -18381,44 +18376,44 @@
                         </a:spcAft>
                       </a:pPr>
                       <a:r>
-                        <a:rPr lang="en-US" sz="1100" b="0">
+                        <a:rPr lang="en-US" sz="1100" b="0" dirty="0">
                           <a:effectLst/>
                         </a:rPr>
                         <a:t>0.99</a:t>
                       </a:r>
-                      <a:endParaRPr lang="en-US" sz="1100" b="0">
-                        <a:effectLst/>
-                        <a:latin typeface="Calibri"/>
-                        <a:ea typeface="ＭＳ 明朝"/>
-                        <a:cs typeface="Times New Roman"/>
-                      </a:endParaRPr>
-                    </a:p>
-                  </a:txBody>
-                  <a:tcPr marL="68580" marR="68580" marT="0" marB="0" anchor="b"/>
-                </a:tc>
-                <a:tc>
-                  <a:txBody>
-                    <a:bodyPr/>
-                    <a:lstStyle/>
-                    <a:p>
-                      <a:pPr marL="0" marR="0" algn="r">
-                        <a:lnSpc>
-                          <a:spcPct val="115000"/>
-                        </a:lnSpc>
-                        <a:spcBef>
-                          <a:spcPts val="0"/>
-                        </a:spcBef>
-                        <a:spcAft>
-                          <a:spcPts val="0"/>
-                        </a:spcAft>
-                      </a:pPr>
-                      <a:r>
-                        <a:rPr lang="en-US" sz="1100" b="0">
+                      <a:endParaRPr lang="en-US" sz="1100" b="0" dirty="0">
+                        <a:effectLst/>
+                        <a:latin typeface="Calibri"/>
+                        <a:ea typeface="ＭＳ 明朝"/>
+                        <a:cs typeface="Times New Roman"/>
+                      </a:endParaRPr>
+                    </a:p>
+                  </a:txBody>
+                  <a:tcPr marL="68580" marR="68580" marT="0" marB="0" anchor="b"/>
+                </a:tc>
+                <a:tc>
+                  <a:txBody>
+                    <a:bodyPr/>
+                    <a:lstStyle/>
+                    <a:p>
+                      <a:pPr marL="0" marR="0" algn="r">
+                        <a:lnSpc>
+                          <a:spcPct val="115000"/>
+                        </a:lnSpc>
+                        <a:spcBef>
+                          <a:spcPts val="0"/>
+                        </a:spcBef>
+                        <a:spcAft>
+                          <a:spcPts val="0"/>
+                        </a:spcAft>
+                      </a:pPr>
+                      <a:r>
+                        <a:rPr lang="en-US" sz="1100" b="0" dirty="0">
                           <a:effectLst/>
                         </a:rPr>
                         <a:t>0.96</a:t>
                       </a:r>
-                      <a:endParaRPr lang="en-US" sz="1100" b="0">
+                      <a:endParaRPr lang="en-US" sz="1100" b="0" dirty="0">
                         <a:effectLst/>
                         <a:latin typeface="Calibri"/>
                         <a:ea typeface="ＭＳ 明朝"/>
@@ -18803,12 +18798,12 @@
                         </a:spcAft>
                       </a:pPr>
                       <a:r>
-                        <a:rPr lang="en-US" sz="1100" b="0">
+                        <a:rPr lang="en-US" sz="1100" b="0" dirty="0">
                           <a:effectLst/>
                         </a:rPr>
                         <a:t>0.98</a:t>
                       </a:r>
-                      <a:endParaRPr lang="en-US" sz="1100" b="0">
+                      <a:endParaRPr lang="en-US" sz="1100" b="0" dirty="0">
                         <a:effectLst/>
                         <a:latin typeface="Calibri"/>
                         <a:ea typeface="ＭＳ 明朝"/>
@@ -18933,12 +18928,12 @@
                         </a:spcAft>
                       </a:pPr>
                       <a:r>
-                        <a:rPr lang="en-US" sz="1100" b="0">
+                        <a:rPr lang="en-US" sz="1100" b="0" dirty="0">
                           <a:effectLst/>
                         </a:rPr>
                         <a:t>0.96</a:t>
                       </a:r>
-                      <a:endParaRPr lang="en-US" sz="1100" b="0">
+                      <a:endParaRPr lang="en-US" sz="1100" b="0" dirty="0">
                         <a:effectLst/>
                         <a:latin typeface="Calibri"/>
                         <a:ea typeface="ＭＳ 明朝"/>
@@ -19063,12 +19058,12 @@
                         </a:spcAft>
                       </a:pPr>
                       <a:r>
-                        <a:rPr lang="en-US" sz="1100" b="0">
+                        <a:rPr lang="en-US" sz="1100" b="0" dirty="0">
                           <a:effectLst/>
                         </a:rPr>
                         <a:t>0.98</a:t>
                       </a:r>
-                      <a:endParaRPr lang="en-US" sz="1100" b="0">
+                      <a:endParaRPr lang="en-US" sz="1100" b="0" dirty="0">
                         <a:effectLst/>
                         <a:latin typeface="Calibri"/>
                         <a:ea typeface="ＭＳ 明朝"/>
@@ -19193,12 +19188,12 @@
                         </a:spcAft>
                       </a:pPr>
                       <a:r>
-                        <a:rPr lang="en-US" sz="1100" b="1">
+                        <a:rPr lang="en-US" sz="1100" b="1" dirty="0">
                           <a:effectLst/>
                         </a:rPr>
                         <a:t>0.96</a:t>
                       </a:r>
-                      <a:endParaRPr lang="en-US" sz="1100" b="1">
+                      <a:endParaRPr lang="en-US" sz="1100" b="1" dirty="0">
                         <a:effectLst/>
                         <a:latin typeface="Calibri"/>
                         <a:ea typeface="ＭＳ 明朝"/>
@@ -19323,12 +19318,12 @@
                         </a:spcAft>
                       </a:pPr>
                       <a:r>
-                        <a:rPr lang="en-US" sz="1100" b="0">
+                        <a:rPr lang="en-US" sz="1100" b="0" dirty="0">
                           <a:effectLst/>
                         </a:rPr>
                         <a:t>0.97</a:t>
                       </a:r>
-                      <a:endParaRPr lang="en-US" sz="1100" b="0">
+                      <a:endParaRPr lang="en-US" sz="1100" b="0" dirty="0">
                         <a:effectLst/>
                         <a:latin typeface="Calibri"/>
                         <a:ea typeface="ＭＳ 明朝"/>
@@ -19875,12 +19870,12 @@
                         </a:spcAft>
                       </a:pPr>
                       <a:r>
-                        <a:rPr lang="en-US" sz="1100" b="0">
+                        <a:rPr lang="en-US" sz="1100" b="0" dirty="0">
                           <a:effectLst/>
                         </a:rPr>
                         <a:t>0.38</a:t>
                       </a:r>
-                      <a:endParaRPr lang="en-US" sz="1100" b="0">
+                      <a:endParaRPr lang="en-US" sz="1100" b="0" dirty="0">
                         <a:effectLst/>
                         <a:latin typeface="Calibri"/>
                         <a:ea typeface="ＭＳ 明朝"/>
@@ -20395,12 +20390,12 @@
                         </a:spcAft>
                       </a:pPr>
                       <a:r>
-                        <a:rPr lang="en-US" sz="1100" b="0">
+                        <a:rPr lang="en-US" sz="1100" b="0" dirty="0">
                           <a:effectLst/>
                         </a:rPr>
                         <a:t>0.86</a:t>
                       </a:r>
-                      <a:endParaRPr lang="en-US" sz="1100" b="0">
+                      <a:endParaRPr lang="en-US" sz="1100" b="0" dirty="0">
                         <a:effectLst/>
                         <a:latin typeface="Calibri"/>
                         <a:ea typeface="ＭＳ 明朝"/>
@@ -20525,12 +20520,12 @@
                         </a:spcAft>
                       </a:pPr>
                       <a:r>
-                        <a:rPr lang="en-US" sz="1100" b="0">
+                        <a:rPr lang="en-US" sz="1100" b="0" dirty="0">
                           <a:effectLst/>
                         </a:rPr>
                         <a:t>0.86</a:t>
                       </a:r>
-                      <a:endParaRPr lang="en-US" sz="1100" b="0">
+                      <a:endParaRPr lang="en-US" sz="1100" b="0" dirty="0">
                         <a:effectLst/>
                         <a:latin typeface="Calibri"/>
                         <a:ea typeface="ＭＳ 明朝"/>
